--- a/paper.pptx
+++ b/paper.pptx
@@ -134,6 +134,9 @@
         </p14:section>
       </p14:sectionLst>
     </p:ext>
+    <p:ext uri="{EFAFB233-063F-42B5-8137-9DF3F51BA10A}">
+      <p15:sldGuideLst xmlns:p15="http://schemas.microsoft.com/office/powerpoint/2012/main"/>
+    </p:ext>
   </p:extLst>
 </p:presentation>
 </file>
@@ -285,7 +288,7 @@
           <a:p>
             <a:fld id="{92067DE7-C8A5-47CA-B016-D00620B1A6B9}" type="datetimeFigureOut">
               <a:rPr lang="en-US" smtClean="0"/>
-              <a:t>1/26/2020</a:t>
+              <a:t>2/23/2020</a:t>
             </a:fld>
             <a:endParaRPr lang="en-US"/>
           </a:p>
@@ -483,7 +486,7 @@
           <a:p>
             <a:fld id="{92067DE7-C8A5-47CA-B016-D00620B1A6B9}" type="datetimeFigureOut">
               <a:rPr lang="en-US" smtClean="0"/>
-              <a:t>1/26/2020</a:t>
+              <a:t>2/23/2020</a:t>
             </a:fld>
             <a:endParaRPr lang="en-US"/>
           </a:p>
@@ -691,7 +694,7 @@
           <a:p>
             <a:fld id="{92067DE7-C8A5-47CA-B016-D00620B1A6B9}" type="datetimeFigureOut">
               <a:rPr lang="en-US" smtClean="0"/>
-              <a:t>1/26/2020</a:t>
+              <a:t>2/23/2020</a:t>
             </a:fld>
             <a:endParaRPr lang="en-US"/>
           </a:p>
@@ -889,7 +892,7 @@
           <a:p>
             <a:fld id="{92067DE7-C8A5-47CA-B016-D00620B1A6B9}" type="datetimeFigureOut">
               <a:rPr lang="en-US" smtClean="0"/>
-              <a:t>1/26/2020</a:t>
+              <a:t>2/23/2020</a:t>
             </a:fld>
             <a:endParaRPr lang="en-US"/>
           </a:p>
@@ -1164,7 +1167,7 @@
           <a:p>
             <a:fld id="{92067DE7-C8A5-47CA-B016-D00620B1A6B9}" type="datetimeFigureOut">
               <a:rPr lang="en-US" smtClean="0"/>
-              <a:t>1/26/2020</a:t>
+              <a:t>2/23/2020</a:t>
             </a:fld>
             <a:endParaRPr lang="en-US"/>
           </a:p>
@@ -1429,7 +1432,7 @@
           <a:p>
             <a:fld id="{92067DE7-C8A5-47CA-B016-D00620B1A6B9}" type="datetimeFigureOut">
               <a:rPr lang="en-US" smtClean="0"/>
-              <a:t>1/26/2020</a:t>
+              <a:t>2/23/2020</a:t>
             </a:fld>
             <a:endParaRPr lang="en-US"/>
           </a:p>
@@ -1841,7 +1844,7 @@
           <a:p>
             <a:fld id="{92067DE7-C8A5-47CA-B016-D00620B1A6B9}" type="datetimeFigureOut">
               <a:rPr lang="en-US" smtClean="0"/>
-              <a:t>1/26/2020</a:t>
+              <a:t>2/23/2020</a:t>
             </a:fld>
             <a:endParaRPr lang="en-US"/>
           </a:p>
@@ -1982,7 +1985,7 @@
           <a:p>
             <a:fld id="{92067DE7-C8A5-47CA-B016-D00620B1A6B9}" type="datetimeFigureOut">
               <a:rPr lang="en-US" smtClean="0"/>
-              <a:t>1/26/2020</a:t>
+              <a:t>2/23/2020</a:t>
             </a:fld>
             <a:endParaRPr lang="en-US"/>
           </a:p>
@@ -2095,7 +2098,7 @@
           <a:p>
             <a:fld id="{92067DE7-C8A5-47CA-B016-D00620B1A6B9}" type="datetimeFigureOut">
               <a:rPr lang="en-US" smtClean="0"/>
-              <a:t>1/26/2020</a:t>
+              <a:t>2/23/2020</a:t>
             </a:fld>
             <a:endParaRPr lang="en-US"/>
           </a:p>
@@ -2406,7 +2409,7 @@
           <a:p>
             <a:fld id="{92067DE7-C8A5-47CA-B016-D00620B1A6B9}" type="datetimeFigureOut">
               <a:rPr lang="en-US" smtClean="0"/>
-              <a:t>1/26/2020</a:t>
+              <a:t>2/23/2020</a:t>
             </a:fld>
             <a:endParaRPr lang="en-US"/>
           </a:p>
@@ -2694,7 +2697,7 @@
           <a:p>
             <a:fld id="{92067DE7-C8A5-47CA-B016-D00620B1A6B9}" type="datetimeFigureOut">
               <a:rPr lang="en-US" smtClean="0"/>
-              <a:t>1/26/2020</a:t>
+              <a:t>2/23/2020</a:t>
             </a:fld>
             <a:endParaRPr lang="en-US"/>
           </a:p>
@@ -2935,7 +2938,7 @@
           <a:p>
             <a:fld id="{92067DE7-C8A5-47CA-B016-D00620B1A6B9}" type="datetimeFigureOut">
               <a:rPr lang="en-US" smtClean="0"/>
-              <a:t>1/26/2020</a:t>
+              <a:t>2/23/2020</a:t>
             </a:fld>
             <a:endParaRPr lang="en-US"/>
           </a:p>
@@ -3700,6 +3703,7 @@
             <a:endParaRPr lang="en-US" dirty="0"/>
           </a:p>
           <a:p>
+            <a:pPr lvl="1"/>
             <a:endParaRPr lang="en-US" dirty="0"/>
           </a:p>
           <a:p>
@@ -4099,6 +4103,24 @@
               <a:rPr lang="en-US" dirty="0"/>
               <a:t>)</a:t>
             </a:r>
+          </a:p>
+          <a:p>
+            <a:endParaRPr lang="en-US" dirty="0"/>
+          </a:p>
+          <a:p>
+            <a:endParaRPr lang="en-US" dirty="0"/>
+          </a:p>
+          <a:p>
+            <a:r>
+              <a:rPr lang="en-US" dirty="0">
+                <a:hlinkClick r:id="rId4"/>
+              </a:rPr>
+              <a:t>https://www.ers.usda.gov/topics/animal-products/hogs-pork/sector-at-a-glance/</a:t>
+            </a:r>
+            <a:endParaRPr lang="en-US" dirty="0"/>
+          </a:p>
+          <a:p>
+            <a:endParaRPr lang="en-US" dirty="0"/>
           </a:p>
         </p:txBody>
       </p:sp>
